--- a/수업교제/1학기/python_calss10.pptx
+++ b/수업교제/1학기/python_calss10.pptx
@@ -116,6 +116,43 @@
 </p:presentation>
 </file>
 
+<file path=ppt/changesInfos/changesInfo1.xml><?xml version="1.0" encoding="utf-8"?>
+<pc:chgInfo xmlns:a="http://schemas.openxmlformats.org/drawingml/2006/main" xmlns:r="http://schemas.openxmlformats.org/officeDocument/2006/relationships" xmlns:ac="http://schemas.microsoft.com/office/drawing/2013/main/command" xmlns:pc="http://schemas.microsoft.com/office/powerpoint/2013/main/command">
+  <pc:docChgLst>
+    <pc:chgData name="sang woo lee" userId="828cf36e0a7b2974" providerId="LiveId" clId="{9F04B277-BD9D-42DA-90C9-A546EA4CA4A1}"/>
+    <pc:docChg chg="custSel modSld">
+      <pc:chgData name="sang woo lee" userId="828cf36e0a7b2974" providerId="LiveId" clId="{9F04B277-BD9D-42DA-90C9-A546EA4CA4A1}" dt="2024-07-12T04:27:47.246" v="191" actId="1076"/>
+      <pc:docMkLst>
+        <pc:docMk/>
+      </pc:docMkLst>
+      <pc:sldChg chg="modSp mod">
+        <pc:chgData name="sang woo lee" userId="828cf36e0a7b2974" providerId="LiveId" clId="{9F04B277-BD9D-42DA-90C9-A546EA4CA4A1}" dt="2024-07-12T04:27:47.246" v="191" actId="1076"/>
+        <pc:sldMkLst>
+          <pc:docMk/>
+          <pc:sldMk cId="3288236544" sldId="261"/>
+        </pc:sldMkLst>
+        <pc:spChg chg="mod">
+          <ac:chgData name="sang woo lee" userId="828cf36e0a7b2974" providerId="LiveId" clId="{9F04B277-BD9D-42DA-90C9-A546EA4CA4A1}" dt="2024-07-12T04:27:22.706" v="190" actId="20577"/>
+          <ac:spMkLst>
+            <pc:docMk/>
+            <pc:sldMk cId="3288236544" sldId="261"/>
+            <ac:spMk id="5" creationId="{B632E52C-4592-8EAC-7096-1B6E323AB8DC}"/>
+          </ac:spMkLst>
+        </pc:spChg>
+        <pc:spChg chg="mod">
+          <ac:chgData name="sang woo lee" userId="828cf36e0a7b2974" providerId="LiveId" clId="{9F04B277-BD9D-42DA-90C9-A546EA4CA4A1}" dt="2024-07-12T04:27:47.246" v="191" actId="1076"/>
+          <ac:spMkLst>
+            <pc:docMk/>
+            <pc:sldMk cId="3288236544" sldId="261"/>
+            <ac:spMk id="7" creationId="{76D5664A-F0B3-4428-BCE9-619FD0693EE6}"/>
+          </ac:spMkLst>
+        </pc:spChg>
+      </pc:sldChg>
+    </pc:docChg>
+  </pc:docChgLst>
+</pc:chgInfo>
+</file>
+
 <file path=ppt/slideLayouts/slideLayout1.xml><?xml version="1.0" encoding="utf-8"?>
 <p:sldLayout xmlns:a="http://schemas.openxmlformats.org/drawingml/2006/main" xmlns:r="http://schemas.openxmlformats.org/officeDocument/2006/relationships" xmlns:p="http://schemas.openxmlformats.org/presentationml/2006/main" showMasterSp="0" type="title" preserve="1">
   <p:cSld name="제목 슬라이드">
@@ -286,7 +323,7 @@
             <a:fld id="{87DE6118-2437-4B30-8E3C-4D2BE6020583}" type="datetimeFigureOut">
               <a:rPr lang="en-US" dirty="0"/>
               <a:pPr/>
-              <a:t>6/22/2023</a:t>
+              <a:t>7/12/2024</a:t>
             </a:fld>
             <a:endParaRPr lang="en-US" dirty="0"/>
           </a:p>
@@ -612,7 +649,7 @@
           <a:p>
             <a:fld id="{87DE6118-2437-4B30-8E3C-4D2BE6020583}" type="datetimeFigureOut">
               <a:rPr lang="en-US" dirty="0"/>
-              <a:t>6/22/2023</a:t>
+              <a:t>7/12/2024</a:t>
             </a:fld>
             <a:endParaRPr lang="en-US" dirty="0"/>
           </a:p>
@@ -787,7 +824,7 @@
           <a:p>
             <a:fld id="{87DE6118-2437-4B30-8E3C-4D2BE6020583}" type="datetimeFigureOut">
               <a:rPr lang="en-US" dirty="0"/>
-              <a:t>6/22/2023</a:t>
+              <a:t>7/12/2024</a:t>
             </a:fld>
             <a:endParaRPr lang="en-US" dirty="0"/>
           </a:p>
@@ -952,7 +989,7 @@
           <a:p>
             <a:fld id="{87DE6118-2437-4B30-8E3C-4D2BE6020583}" type="datetimeFigureOut">
               <a:rPr lang="en-US" dirty="0"/>
-              <a:t>6/22/2023</a:t>
+              <a:t>7/12/2024</a:t>
             </a:fld>
             <a:endParaRPr lang="en-US" dirty="0"/>
           </a:p>
@@ -1225,7 +1262,7 @@
             <a:fld id="{87DE6118-2437-4B30-8E3C-4D2BE6020583}" type="datetimeFigureOut">
               <a:rPr lang="en-US" dirty="0"/>
               <a:pPr/>
-              <a:t>6/22/2023</a:t>
+              <a:t>7/12/2024</a:t>
             </a:fld>
             <a:endParaRPr lang="en-US" dirty="0"/>
           </a:p>
@@ -1615,7 +1652,7 @@
           <a:p>
             <a:fld id="{87DE6118-2437-4B30-8E3C-4D2BE6020583}" type="datetimeFigureOut">
               <a:rPr lang="en-US" dirty="0"/>
-              <a:t>6/22/2023</a:t>
+              <a:t>7/12/2024</a:t>
             </a:fld>
             <a:endParaRPr lang="en-US" dirty="0"/>
           </a:p>
@@ -2087,7 +2124,7 @@
           <a:p>
             <a:fld id="{87DE6118-2437-4B30-8E3C-4D2BE6020583}" type="datetimeFigureOut">
               <a:rPr lang="en-US" dirty="0"/>
-              <a:t>6/22/2023</a:t>
+              <a:t>7/12/2024</a:t>
             </a:fld>
             <a:endParaRPr lang="en-US" dirty="0"/>
           </a:p>
@@ -2200,7 +2237,7 @@
           <a:p>
             <a:fld id="{87DE6118-2437-4B30-8E3C-4D2BE6020583}" type="datetimeFigureOut">
               <a:rPr lang="en-US" dirty="0"/>
-              <a:t>6/22/2023</a:t>
+              <a:t>7/12/2024</a:t>
             </a:fld>
             <a:endParaRPr lang="en-US" dirty="0"/>
           </a:p>
@@ -2290,7 +2327,7 @@
           <a:p>
             <a:fld id="{87DE6118-2437-4B30-8E3C-4D2BE6020583}" type="datetimeFigureOut">
               <a:rPr lang="en-US" dirty="0"/>
-              <a:t>6/22/2023</a:t>
+              <a:t>7/12/2024</a:t>
             </a:fld>
             <a:endParaRPr lang="en-US" dirty="0"/>
           </a:p>
@@ -2632,7 +2669,7 @@
             <a:fld id="{87DE6118-2437-4B30-8E3C-4D2BE6020583}" type="datetimeFigureOut">
               <a:rPr lang="en-US" dirty="0"/>
               <a:pPr/>
-              <a:t>6/22/2023</a:t>
+              <a:t>7/12/2024</a:t>
             </a:fld>
             <a:endParaRPr lang="en-US" dirty="0"/>
           </a:p>
@@ -3017,7 +3054,7 @@
             <a:fld id="{87DE6118-2437-4B30-8E3C-4D2BE6020583}" type="datetimeFigureOut">
               <a:rPr lang="en-US" dirty="0"/>
               <a:pPr/>
-              <a:t>6/22/2023</a:t>
+              <a:t>7/12/2024</a:t>
             </a:fld>
             <a:endParaRPr lang="en-US" dirty="0"/>
           </a:p>
@@ -3292,7 +3329,7 @@
             <a:fld id="{87DE6118-2437-4B30-8E3C-4D2BE6020583}" type="datetimeFigureOut">
               <a:rPr lang="en-US" dirty="0"/>
               <a:pPr/>
-              <a:t>6/22/2023</a:t>
+              <a:t>7/12/2024</a:t>
             </a:fld>
             <a:endParaRPr lang="en-US" dirty="0"/>
           </a:p>
@@ -3843,7 +3880,7 @@
         <p:push/>
       </p:transition>
     </mc:Choice>
-    <mc:Fallback xmlns="" xmlns:c="http://schemas.openxmlformats.org/drawingml/2006/chart" xmlns:dgm="http://schemas.openxmlformats.org/drawingml/2006/diagram" xmlns:dsp="http://schemas.microsoft.com/office/drawing/2008/diagram">
+    <mc:Fallback xmlns:dsp="http://schemas.microsoft.com/office/drawing/2008/diagram" xmlns:dgm="http://schemas.openxmlformats.org/drawingml/2006/diagram" xmlns:c="http://schemas.openxmlformats.org/drawingml/2006/chart" xmlns="">
       <p:transition xmlns:mc="http://schemas.openxmlformats.org/markup-compatibility/2006" xmlns:hp="http://schemas.haansoft.com/office/presentation/8.0" spd="med" mc:Ignorable="hp" hp:hslDur="1000">
         <p:fade/>
       </p:transition>
@@ -4819,8 +4856,8 @@
         </p:nvSpPr>
         <p:spPr>
           <a:xfrm>
-            <a:off x="5249789" y="2190558"/>
-            <a:ext cx="6070143" cy="2031325"/>
+            <a:off x="5241081" y="1502837"/>
+            <a:ext cx="6654828" cy="3139321"/>
           </a:xfrm>
           <a:prstGeom prst="rect">
             <a:avLst/>
@@ -4897,6 +4934,65 @@
             <a:r>
               <a:rPr lang="en-US" altLang="ko-KR" dirty="0"/>
               <a:t>. </a:t>
+            </a:r>
+          </a:p>
+          <a:p>
+            <a:endParaRPr lang="en-US" altLang="ko-KR" dirty="0"/>
+          </a:p>
+          <a:p>
+            <a:pPr marL="342900" indent="-342900">
+              <a:buAutoNum type="arabicPeriod" startAt="4"/>
+            </a:pPr>
+            <a:r>
+              <a:rPr lang="ko-KR" altLang="en-US" dirty="0"/>
+              <a:t>특정 경로에 있는 모든 음원 파일을 읽어 온다</a:t>
+            </a:r>
+            <a:r>
+              <a:rPr lang="en-US" altLang="ko-KR" dirty="0"/>
+              <a:t>(</a:t>
+            </a:r>
+            <a:r>
+              <a:rPr lang="ko-KR" altLang="en-US" dirty="0"/>
+              <a:t>자동 </a:t>
+            </a:r>
+            <a:r>
+              <a:rPr lang="en-US" altLang="ko-KR" dirty="0"/>
+              <a:t>or </a:t>
+            </a:r>
+            <a:r>
+              <a:rPr lang="ko-KR" altLang="en-US" dirty="0"/>
+              <a:t>수동</a:t>
+            </a:r>
+            <a:r>
+              <a:rPr lang="en-US" altLang="ko-KR" dirty="0"/>
+              <a:t>)</a:t>
+            </a:r>
+          </a:p>
+          <a:p>
+            <a:pPr marL="342900" indent="-342900">
+              <a:buAutoNum type="arabicPeriod" startAt="4"/>
+            </a:pPr>
+            <a:endParaRPr lang="en-US" altLang="ko-KR" dirty="0"/>
+          </a:p>
+          <a:p>
+            <a:pPr marL="342900" indent="-342900">
+              <a:buAutoNum type="arabicPeriod" startAt="4"/>
+            </a:pPr>
+            <a:r>
+              <a:rPr lang="ko-KR" altLang="en-US" dirty="0"/>
+              <a:t>재생 버튼을 누르면 음악이 </a:t>
+            </a:r>
+            <a:r>
+              <a:rPr lang="ko-KR" altLang="en-US" dirty="0" err="1"/>
+              <a:t>랜던하게</a:t>
+            </a:r>
+            <a:r>
+              <a:rPr lang="ko-KR" altLang="en-US" dirty="0"/>
+              <a:t> 재생 된다</a:t>
+            </a:r>
+            <a:r>
+              <a:rPr lang="en-US" altLang="ko-KR" dirty="0"/>
+              <a:t>.</a:t>
             </a:r>
           </a:p>
         </p:txBody>
@@ -4945,7 +5041,7 @@
         </p:nvSpPr>
         <p:spPr>
           <a:xfrm>
-            <a:off x="1350708" y="4408149"/>
+            <a:off x="1350708" y="4642158"/>
             <a:ext cx="8885492" cy="1477328"/>
           </a:xfrm>
           <a:prstGeom prst="rect">
